--- a/Items/Micro Orm v2/Entity Framework Core 2 VS Micro ORM performances.pptx
+++ b/Items/Micro Orm v2/Entity Framework Core 2 VS Micro ORM performances.pptx
@@ -244,7 +244,7 @@
           <a:p>
             <a:fld id="{20EA5F0D-C1DC-412F-A146-DDB3A74B588F}" type="datetimeFigureOut">
               <a:rPr lang="en-US"/>
-              <a:t>9/25/2017</a:t>
+              <a:t>9/26/2017</a:t>
             </a:fld>
             <a:endParaRPr/>
           </a:p>
@@ -409,7 +409,7 @@
           <a:p>
             <a:fld id="{A8CDE508-72C8-4AB5-AA9C-1584D31690E0}" type="datetimeFigureOut">
               <a:rPr lang="en-US"/>
-              <a:t>9/25/2017</a:t>
+              <a:t>9/26/2017</a:t>
             </a:fld>
             <a:endParaRPr/>
           </a:p>
@@ -1599,7 +1599,7 @@
           <a:p>
             <a:fld id="{9E583DDF-CA54-461A-A486-592D2374C532}" type="datetimeFigureOut">
               <a:rPr lang="fr-FR"/>
-              <a:t>25/09/2017</a:t>
+              <a:t>26/09/2017</a:t>
             </a:fld>
             <a:endParaRPr/>
           </a:p>
@@ -1791,7 +1791,7 @@
           <a:p>
             <a:fld id="{9E583DDF-CA54-461A-A486-592D2374C532}" type="datetimeFigureOut">
               <a:rPr lang="fr-FR"/>
-              <a:t>25/09/2017</a:t>
+              <a:t>26/09/2017</a:t>
             </a:fld>
             <a:endParaRPr/>
           </a:p>
@@ -1973,7 +1973,7 @@
           <a:p>
             <a:fld id="{9E583DDF-CA54-461A-A486-592D2374C532}" type="datetimeFigureOut">
               <a:rPr lang="fr-FR"/>
-              <a:t>25/09/2017</a:t>
+              <a:t>26/09/2017</a:t>
             </a:fld>
             <a:endParaRPr/>
           </a:p>
@@ -2413,7 +2413,7 @@
           <a:p>
             <a:fld id="{9E583DDF-CA54-461A-A486-592D2374C532}" type="datetimeFigureOut">
               <a:rPr lang="fr-FR"/>
-              <a:t>25/09/2017</a:t>
+              <a:t>26/09/2017</a:t>
             </a:fld>
             <a:endParaRPr/>
           </a:p>
@@ -2877,7 +2877,7 @@
           <a:p>
             <a:fld id="{0A879FD0-C37A-4F50-8F3B-5FA0D9D0B42F}" type="datetimeFigureOut">
               <a:rPr lang="fr-FR"/>
-              <a:t>25/09/2017</a:t>
+              <a:t>26/09/2017</a:t>
             </a:fld>
             <a:endParaRPr/>
           </a:p>
@@ -3321,7 +3321,7 @@
           <a:p>
             <a:fld id="{9E583DDF-CA54-461A-A486-592D2374C532}" type="datetimeFigureOut">
               <a:rPr lang="fr-FR"/>
-              <a:t>25/09/2017</a:t>
+              <a:t>26/09/2017</a:t>
             </a:fld>
             <a:endParaRPr/>
           </a:p>
@@ -3451,7 +3451,7 @@
           <a:p>
             <a:fld id="{9E583DDF-CA54-461A-A486-592D2374C532}" type="datetimeFigureOut">
               <a:rPr lang="fr-FR"/>
-              <a:t>25/09/2017</a:t>
+              <a:t>26/09/2017</a:t>
             </a:fld>
             <a:endParaRPr/>
           </a:p>
@@ -3669,7 +3669,7 @@
           <a:p>
             <a:fld id="{9E583DDF-CA54-461A-A486-592D2374C532}" type="datetimeFigureOut">
               <a:rPr lang="fr-FR"/>
-              <a:t>25/09/2017</a:t>
+              <a:t>26/09/2017</a:t>
             </a:fld>
             <a:endParaRPr/>
           </a:p>
@@ -4189,7 +4189,7 @@
           <a:p>
             <a:fld id="{9E583DDF-CA54-461A-A486-592D2374C532}" type="datetimeFigureOut">
               <a:rPr lang="fr-FR"/>
-              <a:t>25/09/2017</a:t>
+              <a:t>26/09/2017</a:t>
             </a:fld>
             <a:endParaRPr/>
           </a:p>
@@ -4588,7 +4588,7 @@
           <a:p>
             <a:fld id="{9E583DDF-CA54-461A-A486-592D2374C532}" type="datetimeFigureOut">
               <a:rPr lang="fr-FR"/>
-              <a:t>25/09/2017</a:t>
+              <a:t>26/09/2017</a:t>
             </a:fld>
             <a:endParaRPr/>
           </a:p>
@@ -5430,7 +5430,7 @@
             <a:fld id="{9E583DDF-CA54-461A-A486-592D2374C532}" type="datetimeFigureOut">
               <a:rPr lang="fr-FR"/>
               <a:pPr/>
-              <a:t>25/09/2017</a:t>
+              <a:t>26/09/2017</a:t>
             </a:fld>
             <a:endParaRPr/>
           </a:p>
@@ -14979,42 +14979,6 @@
       </p:sp>
       <p:pic>
         <p:nvPicPr>
-          <p:cNvPr id="4" name="Picture 3">
-            <a:extLst>
-              <a:ext uri="{FF2B5EF4-FFF2-40B4-BE49-F238E27FC236}">
-                <a16:creationId xmlns:a16="http://schemas.microsoft.com/office/drawing/2014/main" id="{44B5D5FD-1124-4290-BF14-798FD2334F97}"/>
-              </a:ext>
-            </a:extLst>
-          </p:cNvPr>
-          <p:cNvPicPr>
-            <a:picLocks noChangeAspect="1"/>
-          </p:cNvPicPr>
-          <p:nvPr/>
-        </p:nvPicPr>
-        <p:blipFill>
-          <a:blip r:embed="rId2">
-            <a:extLst>
-              <a:ext uri="{28A0092B-C50C-407E-A947-70E740481C1C}">
-                <a14:useLocalDpi xmlns:a14="http://schemas.microsoft.com/office/drawing/2010/main" val="0"/>
-              </a:ext>
-            </a:extLst>
-          </a:blip>
-          <a:stretch>
-            <a:fillRect/>
-          </a:stretch>
-        </p:blipFill>
-        <p:spPr>
-          <a:xfrm>
-            <a:off x="3146804" y="2571878"/>
-            <a:ext cx="5898391" cy="2423370"/>
-          </a:xfrm>
-          <a:prstGeom prst="rect">
-            <a:avLst/>
-          </a:prstGeom>
-        </p:spPr>
-      </p:pic>
-      <p:pic>
-        <p:nvPicPr>
           <p:cNvPr id="1028" name="Picture 4" descr="Résultats de recherche d'images pour « really smiley »">
             <a:extLst>
               <a:ext uri="{FF2B5EF4-FFF2-40B4-BE49-F238E27FC236}">
@@ -15028,7 +14992,7 @@
           <p:nvPr/>
         </p:nvPicPr>
         <p:blipFill>
-          <a:blip r:embed="rId3" cstate="print">
+          <a:blip r:embed="rId2" cstate="print">
             <a:extLst>
               <a:ext uri="{28A0092B-C50C-407E-A947-70E740481C1C}">
                 <a14:useLocalDpi xmlns:a14="http://schemas.microsoft.com/office/drawing/2010/main" val="0"/>
@@ -15058,6 +15022,42 @@
               </a14:hiddenFill>
             </a:ext>
           </a:extLst>
+        </p:spPr>
+      </p:pic>
+      <p:pic>
+        <p:nvPicPr>
+          <p:cNvPr id="5" name="Picture 4">
+            <a:extLst>
+              <a:ext uri="{FF2B5EF4-FFF2-40B4-BE49-F238E27FC236}">
+                <a16:creationId xmlns:a16="http://schemas.microsoft.com/office/drawing/2014/main" id="{ECC48835-9F38-447C-824D-3646F79F5C58}"/>
+              </a:ext>
+            </a:extLst>
+          </p:cNvPr>
+          <p:cNvPicPr>
+            <a:picLocks noChangeAspect="1"/>
+          </p:cNvPicPr>
+          <p:nvPr/>
+        </p:nvPicPr>
+        <p:blipFill>
+          <a:blip r:embed="rId3">
+            <a:extLst>
+              <a:ext uri="{28A0092B-C50C-407E-A947-70E740481C1C}">
+                <a14:useLocalDpi xmlns:a14="http://schemas.microsoft.com/office/drawing/2010/main" val="0"/>
+              </a:ext>
+            </a:extLst>
+          </a:blip>
+          <a:stretch>
+            <a:fillRect/>
+          </a:stretch>
+        </p:blipFill>
+        <p:spPr>
+          <a:xfrm>
+            <a:off x="3200149" y="2671284"/>
+            <a:ext cx="5791702" cy="2598645"/>
+          </a:xfrm>
+          <a:prstGeom prst="rect">
+            <a:avLst/>
+          </a:prstGeom>
         </p:spPr>
       </p:pic>
     </p:spTree>
